--- a/figs/phantoms_simultaneous.pptx
+++ b/figs/phantoms_simultaneous.pptx
@@ -9,6 +9,7 @@
     <p:sldId id="258" r:id="rId3"/>
     <p:sldId id="259" r:id="rId4"/>
     <p:sldId id="260" r:id="rId5"/>
+    <p:sldId id="261" r:id="rId6"/>
   </p:sldIdLst>
   <p:sldSz cx="14400213" cy="14400213"/>
   <p:notesSz cx="6858000" cy="9144000"/>
@@ -246,7 +247,7 @@
           <a:p>
             <a:fld id="{63716DA0-9026-7F48-B219-5D7C1E0D1B73}" type="datetimeFigureOut">
               <a:rPr lang="en-US" smtClean="0"/>
-              <a:t>1/3/22</a:t>
+              <a:t>6/10/24</a:t>
             </a:fld>
             <a:endParaRPr lang="en-US"/>
           </a:p>
@@ -416,7 +417,7 @@
           <a:p>
             <a:fld id="{63716DA0-9026-7F48-B219-5D7C1E0D1B73}" type="datetimeFigureOut">
               <a:rPr lang="en-US" smtClean="0"/>
-              <a:t>1/3/22</a:t>
+              <a:t>6/10/24</a:t>
             </a:fld>
             <a:endParaRPr lang="en-US"/>
           </a:p>
@@ -596,7 +597,7 @@
           <a:p>
             <a:fld id="{63716DA0-9026-7F48-B219-5D7C1E0D1B73}" type="datetimeFigureOut">
               <a:rPr lang="en-US" smtClean="0"/>
-              <a:t>1/3/22</a:t>
+              <a:t>6/10/24</a:t>
             </a:fld>
             <a:endParaRPr lang="en-US"/>
           </a:p>
@@ -766,7 +767,7 @@
           <a:p>
             <a:fld id="{63716DA0-9026-7F48-B219-5D7C1E0D1B73}" type="datetimeFigureOut">
               <a:rPr lang="en-US" smtClean="0"/>
-              <a:t>1/3/22</a:t>
+              <a:t>6/10/24</a:t>
             </a:fld>
             <a:endParaRPr lang="en-US"/>
           </a:p>
@@ -1010,7 +1011,7 @@
           <a:p>
             <a:fld id="{63716DA0-9026-7F48-B219-5D7C1E0D1B73}" type="datetimeFigureOut">
               <a:rPr lang="en-US" smtClean="0"/>
-              <a:t>1/3/22</a:t>
+              <a:t>6/10/24</a:t>
             </a:fld>
             <a:endParaRPr lang="en-US"/>
           </a:p>
@@ -1242,7 +1243,7 @@
           <a:p>
             <a:fld id="{63716DA0-9026-7F48-B219-5D7C1E0D1B73}" type="datetimeFigureOut">
               <a:rPr lang="en-US" smtClean="0"/>
-              <a:t>1/3/22</a:t>
+              <a:t>6/10/24</a:t>
             </a:fld>
             <a:endParaRPr lang="en-US"/>
           </a:p>
@@ -1609,7 +1610,7 @@
           <a:p>
             <a:fld id="{63716DA0-9026-7F48-B219-5D7C1E0D1B73}" type="datetimeFigureOut">
               <a:rPr lang="en-US" smtClean="0"/>
-              <a:t>1/3/22</a:t>
+              <a:t>6/10/24</a:t>
             </a:fld>
             <a:endParaRPr lang="en-US"/>
           </a:p>
@@ -1727,7 +1728,7 @@
           <a:p>
             <a:fld id="{63716DA0-9026-7F48-B219-5D7C1E0D1B73}" type="datetimeFigureOut">
               <a:rPr lang="en-US" smtClean="0"/>
-              <a:t>1/3/22</a:t>
+              <a:t>6/10/24</a:t>
             </a:fld>
             <a:endParaRPr lang="en-US"/>
           </a:p>
@@ -1822,7 +1823,7 @@
           <a:p>
             <a:fld id="{63716DA0-9026-7F48-B219-5D7C1E0D1B73}" type="datetimeFigureOut">
               <a:rPr lang="en-US" smtClean="0"/>
-              <a:t>1/3/22</a:t>
+              <a:t>6/10/24</a:t>
             </a:fld>
             <a:endParaRPr lang="en-US"/>
           </a:p>
@@ -2099,7 +2100,7 @@
           <a:p>
             <a:fld id="{63716DA0-9026-7F48-B219-5D7C1E0D1B73}" type="datetimeFigureOut">
               <a:rPr lang="en-US" smtClean="0"/>
-              <a:t>1/3/22</a:t>
+              <a:t>6/10/24</a:t>
             </a:fld>
             <a:endParaRPr lang="en-US"/>
           </a:p>
@@ -2356,7 +2357,7 @@
           <a:p>
             <a:fld id="{63716DA0-9026-7F48-B219-5D7C1E0D1B73}" type="datetimeFigureOut">
               <a:rPr lang="en-US" smtClean="0"/>
-              <a:t>1/3/22</a:t>
+              <a:t>6/10/24</a:t>
             </a:fld>
             <a:endParaRPr lang="en-US"/>
           </a:p>
@@ -2569,7 +2570,7 @@
           <a:p>
             <a:fld id="{63716DA0-9026-7F48-B219-5D7C1E0D1B73}" type="datetimeFigureOut">
               <a:rPr lang="en-US" smtClean="0"/>
-              <a:t>1/3/22</a:t>
+              <a:t>6/10/24</a:t>
             </a:fld>
             <a:endParaRPr lang="en-US"/>
           </a:p>
@@ -11126,6 +11127,282 @@
 </p:sld>
 </file>
 
+<file path=ppt/slides/slide5.xml><?xml version="1.0" encoding="utf-8"?>
+<p:sld xmlns:a="http://schemas.openxmlformats.org/drawingml/2006/main" xmlns:r="http://schemas.openxmlformats.org/officeDocument/2006/relationships" xmlns:p="http://schemas.openxmlformats.org/presentationml/2006/main">
+  <p:cSld>
+    <p:spTree>
+      <p:nvGrpSpPr>
+        <p:cNvPr id="1" name=""/>
+        <p:cNvGrpSpPr/>
+        <p:nvPr/>
+      </p:nvGrpSpPr>
+      <p:grpSpPr>
+        <a:xfrm>
+          <a:off x="0" y="0"/>
+          <a:ext cx="0" cy="0"/>
+          <a:chOff x="0" y="0"/>
+          <a:chExt cx="0" cy="0"/>
+        </a:xfrm>
+      </p:grpSpPr>
+      <p:pic>
+        <p:nvPicPr>
+          <p:cNvPr id="12" name="Picture 11" descr="A black symbols on a white background&#10;&#10;Description automatically generated">
+            <a:extLst>
+              <a:ext uri="{FF2B5EF4-FFF2-40B4-BE49-F238E27FC236}">
+                <a16:creationId xmlns:a16="http://schemas.microsoft.com/office/drawing/2014/main" id="{C3ED9F0D-536E-0D36-5F3E-FB9F54FF39CA}"/>
+              </a:ext>
+            </a:extLst>
+          </p:cNvPr>
+          <p:cNvPicPr>
+            <a:picLocks noChangeAspect="1"/>
+          </p:cNvPicPr>
+          <p:nvPr/>
+        </p:nvPicPr>
+        <p:blipFill>
+          <a:blip r:embed="rId2"/>
+          <a:stretch>
+            <a:fillRect/>
+          </a:stretch>
+        </p:blipFill>
+        <p:spPr>
+          <a:xfrm>
+            <a:off x="1523667" y="1773396"/>
+            <a:ext cx="4903186" cy="6465600"/>
+          </a:xfrm>
+          <a:prstGeom prst="rect">
+            <a:avLst/>
+          </a:prstGeom>
+        </p:spPr>
+      </p:pic>
+      <p:pic>
+        <p:nvPicPr>
+          <p:cNvPr id="14" name="Picture 13" descr="A black and white border with different shapes&#10;&#10;Description automatically generated">
+            <a:extLst>
+              <a:ext uri="{FF2B5EF4-FFF2-40B4-BE49-F238E27FC236}">
+                <a16:creationId xmlns:a16="http://schemas.microsoft.com/office/drawing/2014/main" id="{F6770C55-F38B-BB8B-3C7B-77E76B61FBD0}"/>
+              </a:ext>
+            </a:extLst>
+          </p:cNvPr>
+          <p:cNvPicPr>
+            <a:picLocks noChangeAspect="1"/>
+          </p:cNvPicPr>
+          <p:nvPr/>
+        </p:nvPicPr>
+        <p:blipFill>
+          <a:blip r:embed="rId3"/>
+          <a:stretch>
+            <a:fillRect/>
+          </a:stretch>
+        </p:blipFill>
+        <p:spPr>
+          <a:xfrm>
+            <a:off x="6663417" y="1801119"/>
+            <a:ext cx="6934200" cy="5257800"/>
+          </a:xfrm>
+          <a:prstGeom prst="rect">
+            <a:avLst/>
+          </a:prstGeom>
+        </p:spPr>
+      </p:pic>
+      <p:sp>
+        <p:nvSpPr>
+          <p:cNvPr id="10" name="Rectangle 9">
+            <a:extLst>
+              <a:ext uri="{FF2B5EF4-FFF2-40B4-BE49-F238E27FC236}">
+                <a16:creationId xmlns:a16="http://schemas.microsoft.com/office/drawing/2014/main" id="{F8C86216-4095-937C-3513-1155B119FC1A}"/>
+              </a:ext>
+            </a:extLst>
+          </p:cNvPr>
+          <p:cNvSpPr/>
+          <p:nvPr/>
+        </p:nvSpPr>
+        <p:spPr>
+          <a:xfrm>
+            <a:off x="1455260" y="1773396"/>
+            <a:ext cx="5112000" cy="6552000"/>
+          </a:xfrm>
+          <a:prstGeom prst="rect">
+            <a:avLst/>
+          </a:prstGeom>
+          <a:noFill/>
+          <a:ln w="25400"/>
+        </p:spPr>
+        <p:style>
+          <a:lnRef idx="2">
+            <a:schemeClr val="accent1">
+              <a:shade val="15000"/>
+            </a:schemeClr>
+          </a:lnRef>
+          <a:fillRef idx="1">
+            <a:schemeClr val="accent1"/>
+          </a:fillRef>
+          <a:effectRef idx="0">
+            <a:schemeClr val="accent1"/>
+          </a:effectRef>
+          <a:fontRef idx="minor">
+            <a:schemeClr val="lt1"/>
+          </a:fontRef>
+        </p:style>
+        <p:txBody>
+          <a:bodyPr rtlCol="0" anchor="ctr"/>
+          <a:lstStyle/>
+          <a:p>
+            <a:pPr algn="ctr"/>
+            <a:endParaRPr lang="en-US" dirty="0"/>
+          </a:p>
+        </p:txBody>
+      </p:sp>
+      <p:sp>
+        <p:nvSpPr>
+          <p:cNvPr id="15" name="Rectangle 14">
+            <a:extLst>
+              <a:ext uri="{FF2B5EF4-FFF2-40B4-BE49-F238E27FC236}">
+                <a16:creationId xmlns:a16="http://schemas.microsoft.com/office/drawing/2014/main" id="{CF66716D-29A5-D19C-83D6-35954A336D42}"/>
+              </a:ext>
+            </a:extLst>
+          </p:cNvPr>
+          <p:cNvSpPr/>
+          <p:nvPr/>
+        </p:nvSpPr>
+        <p:spPr>
+          <a:xfrm>
+            <a:off x="6563667" y="1773396"/>
+            <a:ext cx="7200000" cy="6552000"/>
+          </a:xfrm>
+          <a:prstGeom prst="rect">
+            <a:avLst/>
+          </a:prstGeom>
+          <a:noFill/>
+          <a:ln w="25400"/>
+        </p:spPr>
+        <p:style>
+          <a:lnRef idx="2">
+            <a:schemeClr val="accent1">
+              <a:shade val="15000"/>
+            </a:schemeClr>
+          </a:lnRef>
+          <a:fillRef idx="1">
+            <a:schemeClr val="accent1"/>
+          </a:fillRef>
+          <a:effectRef idx="0">
+            <a:schemeClr val="accent1"/>
+          </a:effectRef>
+          <a:fontRef idx="minor">
+            <a:schemeClr val="lt1"/>
+          </a:fontRef>
+        </p:style>
+        <p:txBody>
+          <a:bodyPr rtlCol="0" anchor="ctr"/>
+          <a:lstStyle/>
+          <a:p>
+            <a:pPr algn="ctr"/>
+            <a:endParaRPr lang="en-US" dirty="0"/>
+          </a:p>
+        </p:txBody>
+      </p:sp>
+      <p:sp>
+        <p:nvSpPr>
+          <p:cNvPr id="16" name="TextBox 15">
+            <a:extLst>
+              <a:ext uri="{FF2B5EF4-FFF2-40B4-BE49-F238E27FC236}">
+                <a16:creationId xmlns:a16="http://schemas.microsoft.com/office/drawing/2014/main" id="{84BF0F5B-AB4F-293E-7F02-CC169C01F713}"/>
+              </a:ext>
+            </a:extLst>
+          </p:cNvPr>
+          <p:cNvSpPr txBox="1"/>
+          <p:nvPr/>
+        </p:nvSpPr>
+        <p:spPr>
+          <a:xfrm>
+            <a:off x="6211072" y="7863731"/>
+            <a:ext cx="356188" cy="461665"/>
+          </a:xfrm>
+          <a:prstGeom prst="rect">
+            <a:avLst/>
+          </a:prstGeom>
+          <a:noFill/>
+          <a:ln w="25400">
+            <a:solidFill>
+              <a:schemeClr val="accent1">
+                <a:shade val="15000"/>
+              </a:schemeClr>
+            </a:solidFill>
+          </a:ln>
+        </p:spPr>
+        <p:txBody>
+          <a:bodyPr wrap="none" rtlCol="0">
+            <a:spAutoFit/>
+          </a:bodyPr>
+          <a:lstStyle/>
+          <a:p>
+            <a:r>
+              <a:rPr lang="en-US" sz="2400" dirty="0">
+                <a:latin typeface="Arial" panose="020B0604020202020204" pitchFamily="34" charset="0"/>
+                <a:cs typeface="Arial" panose="020B0604020202020204" pitchFamily="34" charset="0"/>
+              </a:rPr>
+              <a:t>a</a:t>
+            </a:r>
+          </a:p>
+        </p:txBody>
+      </p:sp>
+      <p:sp>
+        <p:nvSpPr>
+          <p:cNvPr id="18" name="TextBox 17">
+            <a:extLst>
+              <a:ext uri="{FF2B5EF4-FFF2-40B4-BE49-F238E27FC236}">
+                <a16:creationId xmlns:a16="http://schemas.microsoft.com/office/drawing/2014/main" id="{470F0682-D92C-6688-C99F-E94DB90CCEAB}"/>
+              </a:ext>
+            </a:extLst>
+          </p:cNvPr>
+          <p:cNvSpPr txBox="1"/>
+          <p:nvPr/>
+        </p:nvSpPr>
+        <p:spPr>
+          <a:xfrm>
+            <a:off x="13407479" y="7863731"/>
+            <a:ext cx="356188" cy="461665"/>
+          </a:xfrm>
+          <a:prstGeom prst="rect">
+            <a:avLst/>
+          </a:prstGeom>
+          <a:noFill/>
+          <a:ln w="25400">
+            <a:solidFill>
+              <a:schemeClr val="accent1">
+                <a:shade val="15000"/>
+              </a:schemeClr>
+            </a:solidFill>
+          </a:ln>
+        </p:spPr>
+        <p:txBody>
+          <a:bodyPr wrap="none" rtlCol="0">
+            <a:spAutoFit/>
+          </a:bodyPr>
+          <a:lstStyle/>
+          <a:p>
+            <a:r>
+              <a:rPr lang="en-US" sz="2400" dirty="0">
+                <a:latin typeface="Arial" panose="020B0604020202020204" pitchFamily="34" charset="0"/>
+                <a:cs typeface="Arial" panose="020B0604020202020204" pitchFamily="34" charset="0"/>
+              </a:rPr>
+              <a:t>b</a:t>
+            </a:r>
+          </a:p>
+        </p:txBody>
+      </p:sp>
+    </p:spTree>
+    <p:extLst>
+      <p:ext uri="{BB962C8B-B14F-4D97-AF65-F5344CB8AC3E}">
+        <p14:creationId xmlns:p14="http://schemas.microsoft.com/office/powerpoint/2010/main" val="2223175431"/>
+      </p:ext>
+    </p:extLst>
+  </p:cSld>
+  <p:clrMapOvr>
+    <a:masterClrMapping/>
+  </p:clrMapOvr>
+</p:sld>
+</file>
+
 <file path=ppt/theme/theme1.xml><?xml version="1.0" encoding="utf-8"?>
 <a:theme xmlns:a="http://schemas.openxmlformats.org/drawingml/2006/main" name="Office Theme">
   <a:themeElements>
